--- a/presentacion24ene.pptx
+++ b/presentacion24ene.pptx
@@ -6144,6 +6144,13 @@
           </a:p>
           <a:p>
             <a:r>
+              <a:rPr lang="es-ES_tradnl" smtClean="0"/>
+              <a:t>Gisela Muñoz</a:t>
+            </a:r>
+            <a:endParaRPr lang="es-ES_tradnl" dirty="0" smtClean="0"/>
+          </a:p>
+          <a:p>
+            <a:r>
               <a:rPr lang="es-ES_tradnl" dirty="0" smtClean="0"/>
               <a:t>Miguel </a:t>
             </a:r>
